--- a/CastReporting.Reporting.Core/TemplatesFiles/Generic Table Definition.pptx
+++ b/CastReporting.Reporting.Core/TemplatesFiles/Generic Table Definition.pptx
@@ -5,7 +5,7 @@
     <p:sldMasterId id="2147483648" r:id="rId1"/>
   </p:sldMasterIdLst>
   <p:notesMasterIdLst>
-    <p:notesMasterId r:id="rId15"/>
+    <p:notesMasterId r:id="rId16"/>
   </p:notesMasterIdLst>
   <p:sldIdLst>
     <p:sldId id="342" r:id="rId2"/>
@@ -20,7 +20,8 @@
     <p:sldId id="372" r:id="rId11"/>
     <p:sldId id="385" r:id="rId12"/>
     <p:sldId id="387" r:id="rId13"/>
-    <p:sldId id="386" r:id="rId14"/>
+    <p:sldId id="388" r:id="rId14"/>
+    <p:sldId id="386" r:id="rId15"/>
   </p:sldIdLst>
   <p:sldSz cx="12192000" cy="6858000"/>
   <p:notesSz cx="6858000" cy="9144000"/>
@@ -220,7 +221,7 @@
           <a:p>
             <a:fld id="{BE7CF963-E58D-FC4D-BA9E-60A980752DC6}" type="datetimeFigureOut">
               <a:rPr lang="en-US" smtClean="0"/>
-              <a:t>9/27/2018</a:t>
+              <a:t>9/19/2019</a:t>
             </a:fld>
             <a:endParaRPr lang="en-US"/>
           </a:p>
@@ -877,7 +878,7 @@
           <a:p>
             <a:fld id="{B590C078-9131-4E49-8A0D-400FEE8377B5}" type="datetimeFigureOut">
               <a:rPr lang="en-US" smtClean="0"/>
-              <a:t>9/27/2018</a:t>
+              <a:t>9/19/2019</a:t>
             </a:fld>
             <a:endParaRPr lang="en-US"/>
           </a:p>
@@ -1221,7 +1222,7 @@
   <p:clrMapOvr>
     <a:masterClrMapping/>
   </p:clrMapOvr>
-  <p:extLst mod="1">
+  <p:extLst>
     <p:ext uri="{DCECCB84-F9BA-43D5-87BE-67443E8EF086}">
       <p15:sldGuideLst xmlns:p15="http://schemas.microsoft.com/office/powerpoint/2012/main">
         <p15:guide id="2" pos="384">
@@ -1566,7 +1567,7 @@
   <p:clrMapOvr>
     <a:masterClrMapping/>
   </p:clrMapOvr>
-  <p:extLst mod="1">
+  <p:extLst>
     <p:ext uri="{DCECCB84-F9BA-43D5-87BE-67443E8EF086}">
       <p15:sldGuideLst xmlns:p15="http://schemas.microsoft.com/office/powerpoint/2012/main">
         <p15:guide id="2" pos="384">
@@ -1911,7 +1912,7 @@
   <p:clrMapOvr>
     <a:masterClrMapping/>
   </p:clrMapOvr>
-  <p:extLst mod="1">
+  <p:extLst>
     <p:ext uri="{DCECCB84-F9BA-43D5-87BE-67443E8EF086}">
       <p15:sldGuideLst xmlns:p15="http://schemas.microsoft.com/office/powerpoint/2012/main">
         <p15:guide id="2" pos="384">
@@ -2256,7 +2257,7 @@
   <p:clrMapOvr>
     <a:masterClrMapping/>
   </p:clrMapOvr>
-  <p:extLst mod="1">
+  <p:extLst>
     <p:ext uri="{DCECCB84-F9BA-43D5-87BE-67443E8EF086}">
       <p15:sldGuideLst xmlns:p15="http://schemas.microsoft.com/office/powerpoint/2012/main">
         <p15:guide id="2" pos="384">
@@ -2604,7 +2605,7 @@
   <p:clrMapOvr>
     <a:masterClrMapping/>
   </p:clrMapOvr>
-  <p:extLst mod="1">
+  <p:extLst>
     <p:ext uri="{DCECCB84-F9BA-43D5-87BE-67443E8EF086}">
       <p15:sldGuideLst xmlns:p15="http://schemas.microsoft.com/office/powerpoint/2012/main">
         <p15:guide id="2" pos="384">
@@ -2952,7 +2953,7 @@
   <p:clrMapOvr>
     <a:masterClrMapping/>
   </p:clrMapOvr>
-  <p:extLst mod="1">
+  <p:extLst>
     <p:ext uri="{DCECCB84-F9BA-43D5-87BE-67443E8EF086}">
       <p15:sldGuideLst xmlns:p15="http://schemas.microsoft.com/office/powerpoint/2012/main">
         <p15:guide id="2" pos="384">
@@ -3298,7 +3299,7 @@
   <p:clrMapOvr>
     <a:masterClrMapping/>
   </p:clrMapOvr>
-  <p:extLst mod="1">
+  <p:extLst>
     <p:ext uri="{DCECCB84-F9BA-43D5-87BE-67443E8EF086}">
       <p15:sldGuideLst xmlns:p15="http://schemas.microsoft.com/office/powerpoint/2012/main">
         <p15:guide id="2" pos="384">
@@ -3645,7 +3646,7 @@
   <p:clrMapOvr>
     <a:masterClrMapping/>
   </p:clrMapOvr>
-  <p:extLst mod="1">
+  <p:extLst>
     <p:ext uri="{DCECCB84-F9BA-43D5-87BE-67443E8EF086}">
       <p15:sldGuideLst xmlns:p15="http://schemas.microsoft.com/office/powerpoint/2012/main">
         <p15:guide id="2" pos="384">
@@ -3991,7 +3992,7 @@
   <p:clrMapOvr>
     <a:masterClrMapping/>
   </p:clrMapOvr>
-  <p:extLst mod="1">
+  <p:extLst>
     <p:ext uri="{DCECCB84-F9BA-43D5-87BE-67443E8EF086}">
       <p15:sldGuideLst xmlns:p15="http://schemas.microsoft.com/office/powerpoint/2012/main">
         <p15:guide id="2" pos="384">
@@ -4337,7 +4338,7 @@
   <p:clrMapOvr>
     <a:masterClrMapping/>
   </p:clrMapOvr>
-  <p:extLst mod="1">
+  <p:extLst>
     <p:ext uri="{DCECCB84-F9BA-43D5-87BE-67443E8EF086}">
       <p15:sldGuideLst xmlns:p15="http://schemas.microsoft.com/office/powerpoint/2012/main">
         <p15:guide id="2" pos="384">
@@ -4462,7 +4463,7 @@
           <a:p>
             <a:fld id="{B590C078-9131-4E49-8A0D-400FEE8377B5}" type="datetimeFigureOut">
               <a:rPr lang="en-US" smtClean="0"/>
-              <a:t>9/27/2018</a:t>
+              <a:t>9/19/2019</a:t>
             </a:fld>
             <a:endParaRPr lang="en-US"/>
           </a:p>
@@ -4857,7 +4858,7 @@
   <p:clrMapOvr>
     <a:masterClrMapping/>
   </p:clrMapOvr>
-  <p:extLst mod="1">
+  <p:extLst>
     <p:ext uri="{DCECCB84-F9BA-43D5-87BE-67443E8EF086}">
       <p15:sldGuideLst xmlns:p15="http://schemas.microsoft.com/office/powerpoint/2012/main">
         <p15:guide id="2" pos="384">
@@ -5206,7 +5207,7 @@
   <p:clrMapOvr>
     <a:masterClrMapping/>
   </p:clrMapOvr>
-  <p:extLst mod="1">
+  <p:extLst>
     <p:ext uri="{DCECCB84-F9BA-43D5-87BE-67443E8EF086}">
       <p15:sldGuideLst xmlns:p15="http://schemas.microsoft.com/office/powerpoint/2012/main">
         <p15:guide id="2" pos="384">
@@ -5552,7 +5553,7 @@
   <p:clrMapOvr>
     <a:masterClrMapping/>
   </p:clrMapOvr>
-  <p:extLst mod="1">
+  <p:extLst>
     <p:ext uri="{DCECCB84-F9BA-43D5-87BE-67443E8EF086}">
       <p15:sldGuideLst xmlns:p15="http://schemas.microsoft.com/office/powerpoint/2012/main">
         <p15:guide id="2" pos="384">
@@ -5944,7 +5945,7 @@
   <p:clrMapOvr>
     <a:masterClrMapping/>
   </p:clrMapOvr>
-  <p:extLst mod="1">
+  <p:extLst>
     <p:ext uri="{DCECCB84-F9BA-43D5-87BE-67443E8EF086}">
       <p15:sldGuideLst xmlns:p15="http://schemas.microsoft.com/office/powerpoint/2012/main">
         <p15:guide id="2" pos="384">
@@ -6336,7 +6337,7 @@
   <p:clrMapOvr>
     <a:masterClrMapping/>
   </p:clrMapOvr>
-  <p:extLst mod="1">
+  <p:extLst>
     <p:ext uri="{DCECCB84-F9BA-43D5-87BE-67443E8EF086}">
       <p15:sldGuideLst xmlns:p15="http://schemas.microsoft.com/office/powerpoint/2012/main">
         <p15:guide id="2" pos="384">
@@ -6728,7 +6729,7 @@
   <p:clrMapOvr>
     <a:masterClrMapping/>
   </p:clrMapOvr>
-  <p:extLst mod="1">
+  <p:extLst>
     <p:ext uri="{DCECCB84-F9BA-43D5-87BE-67443E8EF086}">
       <p15:sldGuideLst xmlns:p15="http://schemas.microsoft.com/office/powerpoint/2012/main">
         <p15:guide id="2" pos="384">
@@ -7120,7 +7121,7 @@
   <p:clrMapOvr>
     <a:masterClrMapping/>
   </p:clrMapOvr>
-  <p:extLst mod="1">
+  <p:extLst>
     <p:ext uri="{DCECCB84-F9BA-43D5-87BE-67443E8EF086}">
       <p15:sldGuideLst xmlns:p15="http://schemas.microsoft.com/office/powerpoint/2012/main">
         <p15:guide id="2" pos="384">
@@ -7512,7 +7513,7 @@
   <p:clrMapOvr>
     <a:masterClrMapping/>
   </p:clrMapOvr>
-  <p:extLst mod="1">
+  <p:extLst>
     <p:ext uri="{DCECCB84-F9BA-43D5-87BE-67443E8EF086}">
       <p15:sldGuideLst xmlns:p15="http://schemas.microsoft.com/office/powerpoint/2012/main">
         <p15:guide id="2" pos="384">
@@ -7898,7 +7899,7 @@
   <p:clrMapOvr>
     <a:masterClrMapping/>
   </p:clrMapOvr>
-  <p:extLst mod="1">
+  <p:extLst>
     <p:ext uri="{DCECCB84-F9BA-43D5-87BE-67443E8EF086}">
       <p15:sldGuideLst xmlns:p15="http://schemas.microsoft.com/office/powerpoint/2012/main">
         <p15:guide id="2" pos="384">
@@ -8284,7 +8285,7 @@
   <p:clrMapOvr>
     <a:masterClrMapping/>
   </p:clrMapOvr>
-  <p:extLst mod="1">
+  <p:extLst>
     <p:ext uri="{DCECCB84-F9BA-43D5-87BE-67443E8EF086}">
       <p15:sldGuideLst xmlns:p15="http://schemas.microsoft.com/office/powerpoint/2012/main">
         <p15:guide id="2" pos="384">
@@ -8540,7 +8541,7 @@
           <a:p>
             <a:fld id="{B590C078-9131-4E49-8A0D-400FEE8377B5}" type="datetimeFigureOut">
               <a:rPr lang="en-US" smtClean="0"/>
-              <a:t>9/27/2018</a:t>
+              <a:t>9/19/2019</a:t>
             </a:fld>
             <a:endParaRPr lang="en-US"/>
           </a:p>
@@ -10415,7 +10416,7 @@
   <p:clrMapOvr>
     <a:masterClrMapping/>
   </p:clrMapOvr>
-  <p:extLst mod="1">
+  <p:extLst>
     <p:ext uri="{DCECCB84-F9BA-43D5-87BE-67443E8EF086}">
       <p15:sldGuideLst xmlns:p15="http://schemas.microsoft.com/office/powerpoint/2012/main">
         <p15:guide id="1" pos="3840">
@@ -10841,7 +10842,7 @@
   <p:clrMapOvr>
     <a:masterClrMapping/>
   </p:clrMapOvr>
-  <p:extLst mod="1">
+  <p:extLst>
     <p:ext uri="{DCECCB84-F9BA-43D5-87BE-67443E8EF086}">
       <p15:sldGuideLst xmlns:p15="http://schemas.microsoft.com/office/powerpoint/2012/main">
         <p15:guide id="1" pos="3840">
@@ -11264,7 +11265,7 @@
   <p:clrMapOvr>
     <a:masterClrMapping/>
   </p:clrMapOvr>
-  <p:extLst mod="1">
+  <p:extLst>
     <p:ext uri="{DCECCB84-F9BA-43D5-87BE-67443E8EF086}">
       <p15:sldGuideLst xmlns:p15="http://schemas.microsoft.com/office/powerpoint/2012/main">
         <p15:guide id="1" pos="3840">
@@ -11685,7 +11686,7 @@
   <p:clrMapOvr>
     <a:masterClrMapping/>
   </p:clrMapOvr>
-  <p:extLst mod="1">
+  <p:extLst>
     <p:ext uri="{DCECCB84-F9BA-43D5-87BE-67443E8EF086}">
       <p15:sldGuideLst xmlns:p15="http://schemas.microsoft.com/office/powerpoint/2012/main">
         <p15:guide id="1" pos="3840">
@@ -11866,7 +11867,7 @@
   <p:clrMapOvr>
     <a:masterClrMapping/>
   </p:clrMapOvr>
-  <p:extLst mod="1">
+  <p:extLst>
     <p:ext uri="{DCECCB84-F9BA-43D5-87BE-67443E8EF086}">
       <p15:sldGuideLst xmlns:p15="http://schemas.microsoft.com/office/powerpoint/2012/main">
         <p15:guide id="1" pos="3840" userDrawn="1">
@@ -12211,7 +12212,7 @@
   <p:clrMapOvr>
     <a:masterClrMapping/>
   </p:clrMapOvr>
-  <p:extLst mod="1">
+  <p:extLst>
     <p:ext uri="{DCECCB84-F9BA-43D5-87BE-67443E8EF086}">
       <p15:sldGuideLst xmlns:p15="http://schemas.microsoft.com/office/powerpoint/2012/main">
         <p15:guide id="2" pos="384">
@@ -12365,7 +12366,7 @@
           <a:p>
             <a:fld id="{B590C078-9131-4E49-8A0D-400FEE8377B5}" type="datetimeFigureOut">
               <a:rPr lang="en-US" smtClean="0"/>
-              <a:t>9/27/2018</a:t>
+              <a:t>9/19/2019</a:t>
             </a:fld>
             <a:endParaRPr lang="en-US"/>
           </a:p>
@@ -12827,7 +12828,7 @@
       </a:lvl9pPr>
     </p:otherStyle>
   </p:txStyles>
-  <p:extLst mod="1">
+  <p:extLst>
     <p:ext uri="{27BBF7A9-308A-43DC-89C8-2F10F3537804}">
       <p15:sldGuideLst xmlns:p15="http://schemas.microsoft.com/office/powerpoint/2012/main">
         <p15:guide id="1" pos="3840" userDrawn="1">
@@ -13509,9 +13510,7 @@
           <p:cNvGraphicFramePr>
             <a:graphicFrameLocks noGrp="1"/>
           </p:cNvGraphicFramePr>
-          <p:nvPr>
-            <p:extLst/>
-          </p:nvPr>
+          <p:nvPr/>
         </p:nvGraphicFramePr>
         <p:xfrm>
           <a:off x="1906325" y="2799675"/>
@@ -14673,6 +14672,488 @@
           <a:p>
             <a:r>
               <a:rPr lang="en-US" dirty="0"/>
+              <a:t>SAMPLE 10</a:t>
+            </a:r>
+          </a:p>
+        </p:txBody>
+      </p:sp>
+      <p:sp>
+        <p:nvSpPr>
+          <p:cNvPr id="3" name="Text Placeholder 2"/>
+          <p:cNvSpPr>
+            <a:spLocks noGrp="1"/>
+          </p:cNvSpPr>
+          <p:nvPr>
+            <p:ph type="body" sz="quarter" idx="13"/>
+          </p:nvPr>
+        </p:nvSpPr>
+        <p:spPr/>
+        <p:txBody>
+          <a:bodyPr/>
+          <a:lstStyle/>
+          <a:p>
+            <a:r>
+              <a:rPr lang="en-GB" dirty="0"/>
+              <a:t>Table to monitor custom expressions</a:t>
+            </a:r>
+            <a:endParaRPr lang="en-US" dirty="0"/>
+          </a:p>
+          <a:p>
+            <a:r>
+              <a:rPr lang="en-US" sz="1400" dirty="0"/>
+              <a:t>TABLE;GENERIC_TABLE;COL1=CUSTOM_EXPRESSIONS,ROW1=MODULES,SNAPSHOTS=CURRENT,CUSTOM_EXPRESSIONS=(</a:t>
+            </a:r>
+            <a:r>
+              <a:rPr lang="en-US" sz="1400" dirty="0" err="1"/>
+              <a:t>a+b</a:t>
+            </a:r>
+            <a:r>
+              <a:rPr lang="en-US" sz="1400" dirty="0"/>
+              <a:t>)/2|c/</a:t>
+            </a:r>
+            <a:r>
+              <a:rPr lang="en-US" sz="1400" dirty="0" err="1"/>
+              <a:t>d,PARAMS</a:t>
+            </a:r>
+            <a:r>
+              <a:rPr lang="en-US" sz="1400" dirty="0"/>
+              <a:t>=QR a QR b SZ c SZ </a:t>
+            </a:r>
+            <a:r>
+              <a:rPr lang="en-US" sz="1400" dirty="0" err="1"/>
+              <a:t>d,a</a:t>
+            </a:r>
+            <a:r>
+              <a:rPr lang="en-US" sz="1400" dirty="0"/>
+              <a:t>=60013,b=60014,c=67211,d=10151,MODULES=ALL</a:t>
+            </a:r>
+          </a:p>
+        </p:txBody>
+      </p:sp>
+      <p:pic>
+        <p:nvPicPr>
+          <p:cNvPr id="4" name="Picture 3"/>
+          <p:cNvPicPr>
+            <a:picLocks noChangeAspect="1"/>
+          </p:cNvPicPr>
+          <p:nvPr/>
+        </p:nvPicPr>
+        <p:blipFill>
+          <a:blip r:embed="rId2">
+            <a:extLst>
+              <a:ext uri="{28A0092B-C50C-407E-A947-70E740481C1C}">
+                <a14:useLocalDpi xmlns:a14="http://schemas.microsoft.com/office/drawing/2010/main" val="0"/>
+              </a:ext>
+            </a:extLst>
+          </a:blip>
+          <a:stretch>
+            <a:fillRect/>
+          </a:stretch>
+        </p:blipFill>
+        <p:spPr>
+          <a:xfrm>
+            <a:off x="258603" y="127459"/>
+            <a:ext cx="655797" cy="657255"/>
+          </a:xfrm>
+          <a:prstGeom prst="rect">
+            <a:avLst/>
+          </a:prstGeom>
+        </p:spPr>
+      </p:pic>
+      <p:graphicFrame>
+        <p:nvGraphicFramePr>
+          <p:cNvPr id="6" name="Table 5" descr="TABLE;GENERIC_TABLE;COL1=CUSTOM_EXPRESSIONS,ROW1=MODULES,SNAPSHOTS=CURRENT,CUSTOM_EXPRESSIONS=(a+b)/2|c/d,PARAMS=QR a QR b SZ c SZ d,a=60013,b=60014,c=67211,d=10151,MODULES=ALL"/>
+          <p:cNvGraphicFramePr>
+            <a:graphicFrameLocks noGrp="1"/>
+          </p:cNvGraphicFramePr>
+          <p:nvPr>
+            <p:extLst>
+              <p:ext uri="{D42A27DB-BD31-4B8C-83A1-F6EECF244321}">
+                <p14:modId xmlns:p14="http://schemas.microsoft.com/office/powerpoint/2010/main" val="2885676923"/>
+              </p:ext>
+            </p:extLst>
+          </p:nvPr>
+        </p:nvGraphicFramePr>
+        <p:xfrm>
+          <a:off x="1369461" y="2823369"/>
+          <a:ext cx="9036999" cy="1371600"/>
+        </p:xfrm>
+        <a:graphic>
+          <a:graphicData uri="http://schemas.openxmlformats.org/drawingml/2006/table">
+            <a:tbl>
+              <a:tblPr firstRow="1" bandRow="1">
+                <a:tableStyleId>{1E171933-4619-4E11-9A3F-F7608DF75F80}</a:tableStyleId>
+              </a:tblPr>
+              <a:tblGrid>
+                <a:gridCol w="4877955">
+                  <a:extLst>
+                    <a:ext uri="{9D8B030D-6E8A-4147-A177-3AD203B41FA5}">
+                      <a16:colId xmlns:a16="http://schemas.microsoft.com/office/drawing/2014/main" val="2686098126"/>
+                    </a:ext>
+                  </a:extLst>
+                </a:gridCol>
+                <a:gridCol w="2135567">
+                  <a:extLst>
+                    <a:ext uri="{9D8B030D-6E8A-4147-A177-3AD203B41FA5}">
+                      <a16:colId xmlns:a16="http://schemas.microsoft.com/office/drawing/2014/main" val="4068201546"/>
+                    </a:ext>
+                  </a:extLst>
+                </a:gridCol>
+                <a:gridCol w="2023477">
+                  <a:extLst>
+                    <a:ext uri="{9D8B030D-6E8A-4147-A177-3AD203B41FA5}">
+                      <a16:colId xmlns:a16="http://schemas.microsoft.com/office/drawing/2014/main" val="20002"/>
+                    </a:ext>
+                  </a:extLst>
+                </a:gridCol>
+              </a:tblGrid>
+              <a:tr h="191479">
+                <a:tc>
+                  <a:txBody>
+                    <a:bodyPr/>
+                    <a:lstStyle/>
+                    <a:p>
+                      <a:r>
+                        <a:rPr lang="en-US" sz="900" dirty="0"/>
+                        <a:t>Modules</a:t>
+                      </a:r>
+                    </a:p>
+                  </a:txBody>
+                  <a:tcPr anchor="ctr"/>
+                </a:tc>
+                <a:tc>
+                  <a:txBody>
+                    <a:bodyPr/>
+                    <a:lstStyle/>
+                    <a:p>
+                      <a:pPr algn="ctr"/>
+                      <a:r>
+                        <a:rPr lang="en-US" sz="900" dirty="0"/>
+                        <a:t>(</a:t>
+                      </a:r>
+                      <a:r>
+                        <a:rPr lang="en-US" sz="900" dirty="0" err="1"/>
+                        <a:t>a+b</a:t>
+                      </a:r>
+                      <a:r>
+                        <a:rPr lang="en-US" sz="900" dirty="0"/>
+                        <a:t>)/2</a:t>
+                      </a:r>
+                    </a:p>
+                  </a:txBody>
+                  <a:tcPr anchor="ctr"/>
+                </a:tc>
+                <a:tc>
+                  <a:txBody>
+                    <a:bodyPr/>
+                    <a:lstStyle/>
+                    <a:p>
+                      <a:pPr algn="ctr"/>
+                      <a:r>
+                        <a:rPr lang="en-US" sz="900" dirty="0"/>
+                        <a:t>c/d</a:t>
+                      </a:r>
+                    </a:p>
+                  </a:txBody>
+                  <a:tcPr anchor="ctr"/>
+                </a:tc>
+                <a:extLst>
+                  <a:ext uri="{0D108BD9-81ED-4DB2-BD59-A6C34878D82A}">
+                    <a16:rowId xmlns:a16="http://schemas.microsoft.com/office/drawing/2014/main" val="1266671279"/>
+                  </a:ext>
+                </a:extLst>
+              </a:tr>
+              <a:tr h="191479">
+                <a:tc>
+                  <a:txBody>
+                    <a:bodyPr/>
+                    <a:lstStyle/>
+                    <a:p>
+                      <a:r>
+                        <a:rPr lang="en-US" sz="900" dirty="0"/>
+                        <a:t>Module 1</a:t>
+                      </a:r>
+                    </a:p>
+                  </a:txBody>
+                  <a:tcPr anchor="ctr"/>
+                </a:tc>
+                <a:tc>
+                  <a:txBody>
+                    <a:bodyPr/>
+                    <a:lstStyle/>
+                    <a:p>
+                      <a:pPr algn="ctr"/>
+                      <a:r>
+                        <a:rPr lang="en-US" sz="900" dirty="0"/>
+                        <a:t>number</a:t>
+                      </a:r>
+                    </a:p>
+                  </a:txBody>
+                  <a:tcPr anchor="ctr"/>
+                </a:tc>
+                <a:tc>
+                  <a:txBody>
+                    <a:bodyPr/>
+                    <a:lstStyle/>
+                    <a:p>
+                      <a:pPr algn="ctr"/>
+                      <a:r>
+                        <a:rPr lang="en-US" sz="900" dirty="0"/>
+                        <a:t>number</a:t>
+                      </a:r>
+                    </a:p>
+                  </a:txBody>
+                  <a:tcPr anchor="ctr"/>
+                </a:tc>
+                <a:extLst>
+                  <a:ext uri="{0D108BD9-81ED-4DB2-BD59-A6C34878D82A}">
+                    <a16:rowId xmlns:a16="http://schemas.microsoft.com/office/drawing/2014/main" val="651313564"/>
+                  </a:ext>
+                </a:extLst>
+              </a:tr>
+              <a:tr h="191479">
+                <a:tc>
+                  <a:txBody>
+                    <a:bodyPr/>
+                    <a:lstStyle/>
+                    <a:p>
+                      <a:r>
+                        <a:rPr lang="en-US" sz="900" dirty="0"/>
+                        <a:t>Module 2</a:t>
+                      </a:r>
+                    </a:p>
+                  </a:txBody>
+                  <a:tcPr anchor="ctr"/>
+                </a:tc>
+                <a:tc>
+                  <a:txBody>
+                    <a:bodyPr/>
+                    <a:lstStyle/>
+                    <a:p>
+                      <a:pPr algn="ctr"/>
+                      <a:r>
+                        <a:rPr lang="en-US" sz="900" dirty="0"/>
+                        <a:t>number</a:t>
+                      </a:r>
+                    </a:p>
+                  </a:txBody>
+                  <a:tcPr anchor="ctr"/>
+                </a:tc>
+                <a:tc>
+                  <a:txBody>
+                    <a:bodyPr/>
+                    <a:lstStyle/>
+                    <a:p>
+                      <a:pPr algn="ctr"/>
+                      <a:r>
+                        <a:rPr lang="en-US" sz="900" dirty="0"/>
+                        <a:t>number</a:t>
+                      </a:r>
+                    </a:p>
+                  </a:txBody>
+                  <a:tcPr anchor="ctr"/>
+                </a:tc>
+                <a:extLst>
+                  <a:ext uri="{0D108BD9-81ED-4DB2-BD59-A6C34878D82A}">
+                    <a16:rowId xmlns:a16="http://schemas.microsoft.com/office/drawing/2014/main" val="258950862"/>
+                  </a:ext>
+                </a:extLst>
+              </a:tr>
+              <a:tr h="191479">
+                <a:tc>
+                  <a:txBody>
+                    <a:bodyPr/>
+                    <a:lstStyle/>
+                    <a:p>
+                      <a:r>
+                        <a:rPr lang="en-US" sz="900" dirty="0"/>
+                        <a:t>Module 3</a:t>
+                      </a:r>
+                    </a:p>
+                  </a:txBody>
+                  <a:tcPr anchor="ctr"/>
+                </a:tc>
+                <a:tc>
+                  <a:txBody>
+                    <a:bodyPr/>
+                    <a:lstStyle/>
+                    <a:p>
+                      <a:pPr algn="ctr"/>
+                      <a:r>
+                        <a:rPr lang="en-US" sz="900" dirty="0"/>
+                        <a:t>number</a:t>
+                      </a:r>
+                    </a:p>
+                  </a:txBody>
+                  <a:tcPr anchor="ctr"/>
+                </a:tc>
+                <a:tc>
+                  <a:txBody>
+                    <a:bodyPr/>
+                    <a:lstStyle/>
+                    <a:p>
+                      <a:pPr algn="ctr"/>
+                      <a:r>
+                        <a:rPr lang="en-US" sz="900" dirty="0"/>
+                        <a:t>number</a:t>
+                      </a:r>
+                    </a:p>
+                  </a:txBody>
+                  <a:tcPr anchor="ctr"/>
+                </a:tc>
+                <a:extLst>
+                  <a:ext uri="{0D108BD9-81ED-4DB2-BD59-A6C34878D82A}">
+                    <a16:rowId xmlns:a16="http://schemas.microsoft.com/office/drawing/2014/main" val="396502939"/>
+                  </a:ext>
+                </a:extLst>
+              </a:tr>
+              <a:tr h="191479">
+                <a:tc>
+                  <a:txBody>
+                    <a:bodyPr/>
+                    <a:lstStyle/>
+                    <a:p>
+                      <a:r>
+                        <a:rPr lang="en-US" sz="900" dirty="0"/>
+                        <a:t>Module 4</a:t>
+                      </a:r>
+                    </a:p>
+                  </a:txBody>
+                  <a:tcPr anchor="ctr"/>
+                </a:tc>
+                <a:tc>
+                  <a:txBody>
+                    <a:bodyPr/>
+                    <a:lstStyle/>
+                    <a:p>
+                      <a:pPr algn="ctr"/>
+                      <a:r>
+                        <a:rPr lang="en-US" sz="900" dirty="0"/>
+                        <a:t>number</a:t>
+                      </a:r>
+                    </a:p>
+                  </a:txBody>
+                  <a:tcPr anchor="ctr"/>
+                </a:tc>
+                <a:tc>
+                  <a:txBody>
+                    <a:bodyPr/>
+                    <a:lstStyle/>
+                    <a:p>
+                      <a:pPr algn="ctr"/>
+                      <a:r>
+                        <a:rPr lang="en-US" sz="900" dirty="0"/>
+                        <a:t>number</a:t>
+                      </a:r>
+                    </a:p>
+                  </a:txBody>
+                  <a:tcPr anchor="ctr"/>
+                </a:tc>
+                <a:extLst>
+                  <a:ext uri="{0D108BD9-81ED-4DB2-BD59-A6C34878D82A}">
+                    <a16:rowId xmlns:a16="http://schemas.microsoft.com/office/drawing/2014/main" val="798638133"/>
+                  </a:ext>
+                </a:extLst>
+              </a:tr>
+              <a:tr h="191479">
+                <a:tc>
+                  <a:txBody>
+                    <a:bodyPr/>
+                    <a:lstStyle/>
+                    <a:p>
+                      <a:r>
+                        <a:rPr lang="en-US" sz="900" dirty="0"/>
+                        <a:t>…</a:t>
+                      </a:r>
+                    </a:p>
+                  </a:txBody>
+                  <a:tcPr anchor="ctr"/>
+                </a:tc>
+                <a:tc>
+                  <a:txBody>
+                    <a:bodyPr/>
+                    <a:lstStyle/>
+                    <a:p>
+                      <a:pPr algn="ctr"/>
+                      <a:r>
+                        <a:rPr lang="en-US" sz="900" dirty="0"/>
+                        <a:t>number</a:t>
+                      </a:r>
+                    </a:p>
+                  </a:txBody>
+                  <a:tcPr anchor="ctr"/>
+                </a:tc>
+                <a:tc>
+                  <a:txBody>
+                    <a:bodyPr/>
+                    <a:lstStyle/>
+                    <a:p>
+                      <a:pPr algn="ctr"/>
+                      <a:r>
+                        <a:rPr lang="en-US" sz="900" dirty="0"/>
+                        <a:t>number</a:t>
+                      </a:r>
+                    </a:p>
+                  </a:txBody>
+                  <a:tcPr anchor="ctr"/>
+                </a:tc>
+                <a:extLst>
+                  <a:ext uri="{0D108BD9-81ED-4DB2-BD59-A6C34878D82A}">
+                    <a16:rowId xmlns:a16="http://schemas.microsoft.com/office/drawing/2014/main" val="1160819079"/>
+                  </a:ext>
+                </a:extLst>
+              </a:tr>
+            </a:tbl>
+          </a:graphicData>
+        </a:graphic>
+      </p:graphicFrame>
+    </p:spTree>
+    <p:extLst>
+      <p:ext uri="{BB962C8B-B14F-4D97-AF65-F5344CB8AC3E}">
+        <p14:creationId xmlns:p14="http://schemas.microsoft.com/office/powerpoint/2010/main" val="704567732"/>
+      </p:ext>
+    </p:extLst>
+  </p:cSld>
+  <p:clrMapOvr>
+    <a:masterClrMapping/>
+  </p:clrMapOvr>
+</p:sld>
+</file>
+
+<file path=ppt/slides/slide14.xml><?xml version="1.0" encoding="utf-8"?>
+<p:sld xmlns:a="http://schemas.openxmlformats.org/drawingml/2006/main" xmlns:r="http://schemas.openxmlformats.org/officeDocument/2006/relationships" xmlns:p="http://schemas.openxmlformats.org/presentationml/2006/main">
+  <p:cSld>
+    <p:spTree>
+      <p:nvGrpSpPr>
+        <p:cNvPr id="1" name=""/>
+        <p:cNvGrpSpPr/>
+        <p:nvPr/>
+      </p:nvGrpSpPr>
+      <p:grpSpPr>
+        <a:xfrm>
+          <a:off x="0" y="0"/>
+          <a:ext cx="0" cy="0"/>
+          <a:chOff x="0" y="0"/>
+          <a:chExt cx="0" cy="0"/>
+        </a:xfrm>
+      </p:grpSpPr>
+      <p:sp>
+        <p:nvSpPr>
+          <p:cNvPr id="2" name="Title 1"/>
+          <p:cNvSpPr>
+            <a:spLocks noGrp="1"/>
+          </p:cNvSpPr>
+          <p:nvPr>
+            <p:ph type="title"/>
+          </p:nvPr>
+        </p:nvSpPr>
+        <p:spPr/>
+        <p:txBody>
+          <a:bodyPr/>
+          <a:lstStyle/>
+          <a:p>
+            <a:r>
+              <a:rPr lang="en-US" dirty="0"/>
               <a:t>Notes</a:t>
             </a:r>
           </a:p>
@@ -14837,8 +15318,8 @@
         </p:nvSpPr>
         <p:spPr>
           <a:xfrm>
-            <a:off x="328706" y="1333500"/>
-            <a:ext cx="11253694" cy="4351338"/>
+            <a:off x="328706" y="1333499"/>
+            <a:ext cx="11253694" cy="4790524"/>
           </a:xfrm>
         </p:spPr>
         <p:txBody>
@@ -14937,6 +15418,23 @@
               </a:rPr>
               <a:t>CRITICAL_VIOLATIONS</a:t>
             </a:r>
+          </a:p>
+          <a:p>
+            <a:r>
+              <a:rPr lang="fr-FR" dirty="0">
+                <a:solidFill>
+                  <a:srgbClr val="00B050"/>
+                </a:solidFill>
+              </a:rPr>
+              <a:t>CUSTOM_EXPRESSIONS</a:t>
+            </a:r>
+          </a:p>
+          <a:p>
+            <a:endParaRPr lang="fr-FR" dirty="0">
+              <a:solidFill>
+                <a:schemeClr val="accent1"/>
+              </a:solidFill>
+            </a:endParaRPr>
           </a:p>
         </p:txBody>
       </p:sp>
@@ -16505,7 +17003,7 @@
         </p:nvSpPr>
         <p:spPr>
           <a:xfrm>
-            <a:off x="586501" y="5828677"/>
+            <a:off x="258603" y="6124023"/>
             <a:ext cx="10703859" cy="447383"/>
           </a:xfrm>
           <a:prstGeom prst="rect">
@@ -16547,6 +17045,62 @@
             <a:r>
               <a:rPr lang="en-GB" dirty="0"/>
               <a:t> will be empty.</a:t>
+            </a:r>
+            <a:endParaRPr lang="en-US" dirty="0"/>
+          </a:p>
+        </p:txBody>
+      </p:sp>
+      <p:sp>
+        <p:nvSpPr>
+          <p:cNvPr id="49" name="Rectangle: Rounded Corners 48">
+            <a:extLst>
+              <a:ext uri="{FF2B5EF4-FFF2-40B4-BE49-F238E27FC236}">
+                <a16:creationId xmlns:a16="http://schemas.microsoft.com/office/drawing/2014/main" id="{D419384A-34D2-4C30-AAEF-C0BE95F66CBB}"/>
+              </a:ext>
+            </a:extLst>
+          </p:cNvPr>
+          <p:cNvSpPr/>
+          <p:nvPr/>
+        </p:nvSpPr>
+        <p:spPr>
+          <a:xfrm>
+            <a:off x="3509445" y="5607709"/>
+            <a:ext cx="1580670" cy="322080"/>
+          </a:xfrm>
+          <a:prstGeom prst="roundRect">
+            <a:avLst/>
+          </a:prstGeom>
+          <a:solidFill>
+            <a:srgbClr val="00B050"/>
+          </a:solidFill>
+          <a:ln>
+            <a:noFill/>
+          </a:ln>
+        </p:spPr>
+        <p:style>
+          <a:lnRef idx="2">
+            <a:schemeClr val="accent1">
+              <a:shade val="50000"/>
+            </a:schemeClr>
+          </a:lnRef>
+          <a:fillRef idx="1">
+            <a:schemeClr val="accent1"/>
+          </a:fillRef>
+          <a:effectRef idx="0">
+            <a:schemeClr val="accent1"/>
+          </a:effectRef>
+          <a:fontRef idx="minor">
+            <a:schemeClr val="lt1"/>
+          </a:fontRef>
+        </p:style>
+        <p:txBody>
+          <a:bodyPr rtlCol="0" anchor="ctr"/>
+          <a:lstStyle/>
+          <a:p>
+            <a:pPr algn="ctr"/>
+            <a:r>
+              <a:rPr lang="en-US" sz="1200" dirty="0"/>
+              <a:t>&lt;EXPRESSIONS&gt;</a:t>
             </a:r>
             <a:endParaRPr lang="en-US" dirty="0"/>
           </a:p>
@@ -16616,23 +17170,19 @@
         </p:nvSpPr>
         <p:spPr>
           <a:xfrm>
-            <a:off x="642730" y="1333500"/>
+            <a:off x="626165" y="1045401"/>
             <a:ext cx="10939670" cy="2480469"/>
           </a:xfrm>
         </p:spPr>
         <p:txBody>
           <a:bodyPr>
-            <a:normAutofit fontScale="77500" lnSpcReduction="20000"/>
+            <a:normAutofit fontScale="55000" lnSpcReduction="20000"/>
           </a:bodyPr>
           <a:lstStyle/>
           <a:p>
             <a:r>
-              <a:rPr lang="en-GB"/>
-              <a:t>COL 1: </a:t>
-            </a:r>
-            <a:r>
               <a:rPr lang="en-GB" dirty="0"/>
-              <a:t>1</a:t>
+              <a:t>COL 1: 1</a:t>
             </a:r>
             <a:r>
               <a:rPr lang="en-GB" baseline="30000" dirty="0"/>
@@ -16910,6 +17460,20 @@
               <a:rPr lang="en-US" dirty="0"/>
               <a:t>and “a”, “b”, “c”, “d” and “e” are values from selected axis.</a:t>
             </a:r>
+            <a:br>
+              <a:rPr lang="en-US" dirty="0"/>
+            </a:br>
+            <a:br>
+              <a:rPr lang="en-US" dirty="0"/>
+            </a:br>
+            <a:r>
+              <a:rPr lang="en-GB" dirty="0"/>
+              <a:t>For Custom expressions axis, the CUSTOM_EXPRESSIONS parameter can contains a list of custom expressions separated by ‘|’, and supplementary options are needed : PARAMS (mandatory) contains the list of parameters of the custom expression, FORMAT (optional) contains the format of the result, and of course, the parameters definition (see sample 10).</a:t>
+            </a:r>
+            <a:endParaRPr lang="en-US" dirty="0"/>
+          </a:p>
+          <a:p>
+            <a:endParaRPr lang="en-US" dirty="0"/>
           </a:p>
           <a:p>
             <a:pPr marL="0" indent="0">
